--- a/ipv6-Éliás Péter.pptx
+++ b/ipv6-Éliás Péter.pptx
@@ -265,7 +265,7 @@
           <a:p>
             <a:fld id="{C7809B37-608B-4825-8BEC-979DB37688B7}" type="datetimeFigureOut">
               <a:rPr lang="hu-HU" smtClean="0"/>
-              <a:t>2025. 11. 19.</a:t>
+              <a:t>2025. 11. 25.</a:t>
             </a:fld>
             <a:endParaRPr lang="hu-HU"/>
           </a:p>
@@ -463,7 +463,7 @@
           <a:p>
             <a:fld id="{C7809B37-608B-4825-8BEC-979DB37688B7}" type="datetimeFigureOut">
               <a:rPr lang="hu-HU" smtClean="0"/>
-              <a:t>2025. 11. 19.</a:t>
+              <a:t>2025. 11. 25.</a:t>
             </a:fld>
             <a:endParaRPr lang="hu-HU"/>
           </a:p>
@@ -671,7 +671,7 @@
           <a:p>
             <a:fld id="{C7809B37-608B-4825-8BEC-979DB37688B7}" type="datetimeFigureOut">
               <a:rPr lang="hu-HU" smtClean="0"/>
-              <a:t>2025. 11. 19.</a:t>
+              <a:t>2025. 11. 25.</a:t>
             </a:fld>
             <a:endParaRPr lang="hu-HU"/>
           </a:p>
@@ -869,7 +869,7 @@
           <a:p>
             <a:fld id="{C7809B37-608B-4825-8BEC-979DB37688B7}" type="datetimeFigureOut">
               <a:rPr lang="hu-HU" smtClean="0"/>
-              <a:t>2025. 11. 19.</a:t>
+              <a:t>2025. 11. 25.</a:t>
             </a:fld>
             <a:endParaRPr lang="hu-HU"/>
           </a:p>
@@ -1144,7 +1144,7 @@
           <a:p>
             <a:fld id="{C7809B37-608B-4825-8BEC-979DB37688B7}" type="datetimeFigureOut">
               <a:rPr lang="hu-HU" smtClean="0"/>
-              <a:t>2025. 11. 19.</a:t>
+              <a:t>2025. 11. 25.</a:t>
             </a:fld>
             <a:endParaRPr lang="hu-HU"/>
           </a:p>
@@ -1409,7 +1409,7 @@
           <a:p>
             <a:fld id="{C7809B37-608B-4825-8BEC-979DB37688B7}" type="datetimeFigureOut">
               <a:rPr lang="hu-HU" smtClean="0"/>
-              <a:t>2025. 11. 19.</a:t>
+              <a:t>2025. 11. 25.</a:t>
             </a:fld>
             <a:endParaRPr lang="hu-HU"/>
           </a:p>
@@ -1821,7 +1821,7 @@
           <a:p>
             <a:fld id="{C7809B37-608B-4825-8BEC-979DB37688B7}" type="datetimeFigureOut">
               <a:rPr lang="hu-HU" smtClean="0"/>
-              <a:t>2025. 11. 19.</a:t>
+              <a:t>2025. 11. 25.</a:t>
             </a:fld>
             <a:endParaRPr lang="hu-HU"/>
           </a:p>
@@ -1962,7 +1962,7 @@
           <a:p>
             <a:fld id="{C7809B37-608B-4825-8BEC-979DB37688B7}" type="datetimeFigureOut">
               <a:rPr lang="hu-HU" smtClean="0"/>
-              <a:t>2025. 11. 19.</a:t>
+              <a:t>2025. 11. 25.</a:t>
             </a:fld>
             <a:endParaRPr lang="hu-HU"/>
           </a:p>
@@ -2075,7 +2075,7 @@
           <a:p>
             <a:fld id="{C7809B37-608B-4825-8BEC-979DB37688B7}" type="datetimeFigureOut">
               <a:rPr lang="hu-HU" smtClean="0"/>
-              <a:t>2025. 11. 19.</a:t>
+              <a:t>2025. 11. 25.</a:t>
             </a:fld>
             <a:endParaRPr lang="hu-HU"/>
           </a:p>
@@ -2386,7 +2386,7 @@
           <a:p>
             <a:fld id="{C7809B37-608B-4825-8BEC-979DB37688B7}" type="datetimeFigureOut">
               <a:rPr lang="hu-HU" smtClean="0"/>
-              <a:t>2025. 11. 19.</a:t>
+              <a:t>2025. 11. 25.</a:t>
             </a:fld>
             <a:endParaRPr lang="hu-HU"/>
           </a:p>
@@ -2674,7 +2674,7 @@
           <a:p>
             <a:fld id="{C7809B37-608B-4825-8BEC-979DB37688B7}" type="datetimeFigureOut">
               <a:rPr lang="hu-HU" smtClean="0"/>
-              <a:t>2025. 11. 19.</a:t>
+              <a:t>2025. 11. 25.</a:t>
             </a:fld>
             <a:endParaRPr lang="hu-HU"/>
           </a:p>
@@ -2918,7 +2918,7 @@
           <a:p>
             <a:fld id="{C7809B37-608B-4825-8BEC-979DB37688B7}" type="datetimeFigureOut">
               <a:rPr lang="hu-HU" smtClean="0"/>
-              <a:t>2025. 11. 19.</a:t>
+              <a:t>2025. 11. 25.</a:t>
             </a:fld>
             <a:endParaRPr lang="hu-HU"/>
           </a:p>
@@ -3373,8 +3373,8 @@
           <a:lstStyle/>
           <a:p>
             <a:r>
-              <a:rPr lang="hu-HU" b="1" dirty="0"/>
-              <a:t>IPv6 - Az Internet Protokoll következő generációja </a:t>
+              <a:rPr lang="en-US" dirty="0"/>
+              <a:t>IPv6 - The next generation of Internet Protocol</a:t>
             </a:r>
             <a:br>
               <a:rPr lang="hu-HU" dirty="0"/>
@@ -3480,7 +3480,7 @@
         </p:nvSpPr>
         <p:spPr>
           <a:xfrm>
-            <a:off x="838200" y="1854200"/>
+            <a:off x="876300" y="1752600"/>
             <a:ext cx="9423400" cy="1831976"/>
           </a:xfrm>
           <a:prstGeom prst="rect">
@@ -3540,7 +3540,7 @@
         </p:nvSpPr>
         <p:spPr>
           <a:xfrm>
-            <a:off x="1930400" y="1444625"/>
+            <a:off x="1892300" y="1343025"/>
             <a:ext cx="7010400" cy="1325563"/>
           </a:xfrm>
         </p:spPr>
@@ -3549,11 +3549,14 @@
           <a:lstStyle/>
           <a:p>
             <a:r>
-              <a:rPr lang="hu-HU" b="1" dirty="0">
+              <a:rPr lang="en-US" b="1" dirty="0">
                 <a:latin typeface="Arial Rounded MT Bold" panose="020F0704030504030204" pitchFamily="34" charset="0"/>
               </a:rPr>
-              <a:t>A hálózat új nyelve: IPv6</a:t>
-            </a:r>
+              <a:t>The new language of the network: IPv6</a:t>
+            </a:r>
+            <a:endParaRPr lang="hu-HU" b="1" dirty="0">
+              <a:latin typeface="Arial Rounded MT Bold" panose="020F0704030504030204" pitchFamily="34" charset="0"/>
+            </a:endParaRPr>
           </a:p>
         </p:txBody>
       </p:sp>
@@ -3586,21 +3589,19 @@
           <a:lstStyle/>
           <a:p>
             <a:r>
-              <a:rPr lang="hu-HU" b="1" dirty="0">
+              <a:rPr lang="en-US" b="1" dirty="0">
                 <a:latin typeface="Arial Rounded MT Bold" panose="020F0704030504030204" pitchFamily="34" charset="0"/>
               </a:rPr>
-              <a:t>Az IPv6 célja</a:t>
-            </a:r>
-          </a:p>
-          <a:p>
-            <a:r>
-              <a:rPr lang="hu-HU" b="1" dirty="0">
+              <a:t>The purpose of IPv6</a:t>
+            </a:r>
+          </a:p>
+          <a:p>
+            <a:r>
+              <a:rPr lang="en-US" b="1" dirty="0">
                 <a:latin typeface="Arial Rounded MT Bold" panose="020F0704030504030204" pitchFamily="34" charset="0"/>
               </a:rPr>
-              <a:t>Miért volt szükség az IPv6 bevezetésére?</a:t>
-            </a:r>
-          </a:p>
-          <a:p>
+              <a:t>Why was the introduction of IPv6 necessary?</a:t>
+            </a:r>
             <a:endParaRPr lang="hu-HU" b="1" dirty="0">
               <a:latin typeface="Arial Rounded MT Bold" panose="020F0704030504030204" pitchFamily="34" charset="0"/>
             </a:endParaRPr>
@@ -3677,10 +3678,16 @@
           <a:lstStyle/>
           <a:p>
             <a:r>
+              <a:rPr lang="en-US" b="1" dirty="0">
+                <a:latin typeface="Arial Rounded MT Bold" panose="020F0704030504030204" pitchFamily="34" charset="0"/>
+              </a:rPr>
+              <a:t>Advantages and disadvantages of IPv6 </a:t>
+            </a:r>
+            <a:r>
               <a:rPr lang="hu-HU" b="1" dirty="0">
                 <a:latin typeface="Arial Rounded MT Bold" panose="020F0704030504030204" pitchFamily="34" charset="0"/>
               </a:rPr>
-              <a:t>Az IPv6 előnyei és hátrányai	</a:t>
+              <a:t>	</a:t>
             </a:r>
           </a:p>
         </p:txBody>
@@ -3715,10 +3722,16 @@
               <a:buNone/>
             </a:pPr>
             <a:r>
+              <a:rPr lang="hu-HU" b="1" dirty="0" err="1">
+                <a:latin typeface="Arial Rounded MT Bold" panose="020F0704030504030204" pitchFamily="34" charset="0"/>
+              </a:rPr>
+              <a:t>Advantages</a:t>
+            </a:r>
+            <a:r>
               <a:rPr lang="hu-HU" b="1" dirty="0">
                 <a:latin typeface="Arial Rounded MT Bold" panose="020F0704030504030204" pitchFamily="34" charset="0"/>
               </a:rPr>
-              <a:t>Az IPv6 előnyei:</a:t>
+              <a:t> of IPv6:</a:t>
             </a:r>
           </a:p>
           <a:p>
@@ -3727,26 +3740,53 @@
               <a:rPr lang="hu-HU" sz="2400" b="1" dirty="0">
                 <a:latin typeface="Arial Rounded MT Bold" panose="020F0704030504030204" pitchFamily="34" charset="0"/>
               </a:rPr>
-              <a:t>Szinte korlátlan címzés</a:t>
-            </a:r>
-          </a:p>
-          <a:p>
-            <a:pPr lvl="5"/>
+              <a:t>Almost </a:t>
+            </a:r>
+            <a:r>
+              <a:rPr lang="hu-HU" sz="2400" b="1" dirty="0" err="1">
+                <a:latin typeface="Arial Rounded MT Bold" panose="020F0704030504030204" pitchFamily="34" charset="0"/>
+              </a:rPr>
+              <a:t>unlimited</a:t>
+            </a:r>
             <a:r>
               <a:rPr lang="hu-HU" sz="2400" b="1" dirty="0">
                 <a:latin typeface="Arial Rounded MT Bold" panose="020F0704030504030204" pitchFamily="34" charset="0"/>
               </a:rPr>
-              <a:t>Jobb biztonság</a:t>
-            </a:r>
+              <a:t> </a:t>
+            </a:r>
+            <a:r>
+              <a:rPr lang="hu-HU" sz="2400" b="1" dirty="0" err="1">
+                <a:latin typeface="Arial Rounded MT Bold" panose="020F0704030504030204" pitchFamily="34" charset="0"/>
+              </a:rPr>
+              <a:t>addressing</a:t>
+            </a:r>
+            <a:endParaRPr lang="hu-HU" sz="2400" b="1" dirty="0">
+              <a:latin typeface="Arial Rounded MT Bold" panose="020F0704030504030204" pitchFamily="34" charset="0"/>
+            </a:endParaRPr>
           </a:p>
           <a:p>
             <a:pPr lvl="5"/>
+            <a:r>
+              <a:rPr lang="hu-HU" sz="2400" b="1" dirty="0" err="1">
+                <a:latin typeface="Arial Rounded MT Bold" panose="020F0704030504030204" pitchFamily="34" charset="0"/>
+              </a:rPr>
+              <a:t>Better</a:t>
+            </a:r>
             <a:r>
               <a:rPr lang="hu-HU" sz="2400" b="1" dirty="0">
                 <a:latin typeface="Arial Rounded MT Bold" panose="020F0704030504030204" pitchFamily="34" charset="0"/>
               </a:rPr>
-              <a:t>Hatékonyabb címkezelés</a:t>
-            </a:r>
+              <a:t> </a:t>
+            </a:r>
+            <a:r>
+              <a:rPr lang="hu-HU" sz="2400" b="1" dirty="0" err="1">
+                <a:latin typeface="Arial Rounded MT Bold" panose="020F0704030504030204" pitchFamily="34" charset="0"/>
+              </a:rPr>
+              <a:t>security</a:t>
+            </a:r>
+            <a:endParaRPr lang="hu-HU" sz="2400" b="1" dirty="0">
+              <a:latin typeface="Arial Rounded MT Bold" panose="020F0704030504030204" pitchFamily="34" charset="0"/>
+            </a:endParaRPr>
           </a:p>
           <a:p>
             <a:pPr lvl="5"/>
@@ -3754,7 +3794,58 @@
               <a:rPr lang="hu-HU" sz="2400" b="1" dirty="0">
                 <a:latin typeface="Arial Rounded MT Bold" panose="020F0704030504030204" pitchFamily="34" charset="0"/>
               </a:rPr>
-              <a:t>Javított hálózati teljesítmény</a:t>
+              <a:t>More </a:t>
+            </a:r>
+            <a:r>
+              <a:rPr lang="hu-HU" sz="2400" b="1" dirty="0" err="1">
+                <a:latin typeface="Arial Rounded MT Bold" panose="020F0704030504030204" pitchFamily="34" charset="0"/>
+              </a:rPr>
+              <a:t>efficient</a:t>
+            </a:r>
+            <a:r>
+              <a:rPr lang="hu-HU" sz="2400" b="1" dirty="0">
+                <a:latin typeface="Arial Rounded MT Bold" panose="020F0704030504030204" pitchFamily="34" charset="0"/>
+              </a:rPr>
+              <a:t> </a:t>
+            </a:r>
+            <a:r>
+              <a:rPr lang="hu-HU" sz="2400" b="1" dirty="0" err="1">
+                <a:latin typeface="Arial Rounded MT Bold" panose="020F0704030504030204" pitchFamily="34" charset="0"/>
+              </a:rPr>
+              <a:t>address</a:t>
+            </a:r>
+            <a:r>
+              <a:rPr lang="hu-HU" sz="2400" b="1" dirty="0">
+                <a:latin typeface="Arial Rounded MT Bold" panose="020F0704030504030204" pitchFamily="34" charset="0"/>
+              </a:rPr>
+              <a:t> management</a:t>
+            </a:r>
+          </a:p>
+          <a:p>
+            <a:pPr lvl="5"/>
+            <a:r>
+              <a:rPr lang="hu-HU" sz="2400" b="1" dirty="0" err="1">
+                <a:latin typeface="Arial Rounded MT Bold" panose="020F0704030504030204" pitchFamily="34" charset="0"/>
+              </a:rPr>
+              <a:t>Improved</a:t>
+            </a:r>
+            <a:r>
+              <a:rPr lang="hu-HU" sz="2400" b="1" dirty="0">
+                <a:latin typeface="Arial Rounded MT Bold" panose="020F0704030504030204" pitchFamily="34" charset="0"/>
+              </a:rPr>
+              <a:t> </a:t>
+            </a:r>
+            <a:r>
+              <a:rPr lang="hu-HU" sz="2400" b="1" dirty="0" err="1">
+                <a:latin typeface="Arial Rounded MT Bold" panose="020F0704030504030204" pitchFamily="34" charset="0"/>
+              </a:rPr>
+              <a:t>network</a:t>
+            </a:r>
+            <a:r>
+              <a:rPr lang="hu-HU" sz="2400" b="1" dirty="0">
+                <a:latin typeface="Arial Rounded MT Bold" panose="020F0704030504030204" pitchFamily="34" charset="0"/>
+              </a:rPr>
+              <a:t> performance</a:t>
             </a:r>
           </a:p>
         </p:txBody>
@@ -3832,12 +3923,28 @@
           <a:lstStyle/>
           <a:p>
             <a:r>
+              <a:rPr lang="hu-HU" b="1" dirty="0" err="1">
+                <a:solidFill>
+                  <a:schemeClr val="bg1"/>
+                </a:solidFill>
+              </a:rPr>
+              <a:t>Challenges</a:t>
+            </a:r>
+            <a:r>
               <a:rPr lang="hu-HU" b="1" dirty="0">
                 <a:solidFill>
                   <a:schemeClr val="bg1"/>
                 </a:solidFill>
               </a:rPr>
-              <a:t>Az IPv6 bevezetésének kihívásai</a:t>
+              <a:t> of IPv6 </a:t>
+            </a:r>
+            <a:r>
+              <a:rPr lang="hu-HU" b="1" dirty="0" err="1">
+                <a:solidFill>
+                  <a:schemeClr val="bg1"/>
+                </a:solidFill>
+              </a:rPr>
+              <a:t>deployment</a:t>
             </a:r>
             <a:br>
               <a:rPr lang="hu-HU" b="1" dirty="0"/>
@@ -3873,13 +3980,18 @@
           <a:lstStyle/>
           <a:p>
             <a:r>
-              <a:rPr lang="hu-HU" dirty="0">
+              <a:rPr lang="en-US" dirty="0">
                 <a:solidFill>
                   <a:schemeClr val="bg1"/>
                 </a:solidFill>
               </a:rPr>
-              <a:t>Az IPv6 bevezetése bár számos előnnyel jár, nem problémamentes.</a:t>
-            </a:r>
+              <a:t>The introduction of IPv6 already has many advantages, but it is not without problems.</a:t>
+            </a:r>
+            <a:endParaRPr lang="hu-HU" dirty="0">
+              <a:solidFill>
+                <a:schemeClr val="bg1"/>
+              </a:solidFill>
+            </a:endParaRPr>
           </a:p>
         </p:txBody>
       </p:sp>
@@ -3945,7 +4057,7 @@
         </p:nvSpPr>
         <p:spPr>
           <a:xfrm>
-            <a:off x="4476750" y="500062"/>
+            <a:off x="4476750" y="1299633"/>
             <a:ext cx="3238500" cy="1325563"/>
           </a:xfrm>
         </p:spPr>
@@ -3956,8 +4068,21 @@
             <a:pPr algn="ctr"/>
             <a:r>
               <a:rPr lang="hu-HU" b="1" dirty="0"/>
-              <a:t>IPv6 és a jövő</a:t>
-            </a:r>
+              <a:t>IPv6 and </a:t>
+            </a:r>
+            <a:r>
+              <a:rPr lang="hu-HU" b="1" dirty="0" err="1"/>
+              <a:t>the</a:t>
+            </a:r>
+            <a:r>
+              <a:rPr lang="hu-HU" b="1" dirty="0"/>
+              <a:t> </a:t>
+            </a:r>
+            <a:r>
+              <a:rPr lang="hu-HU" b="1" dirty="0" err="1"/>
+              <a:t>future</a:t>
+            </a:r>
+            <a:endParaRPr lang="hu-HU" b="1" dirty="0"/>
           </a:p>
         </p:txBody>
       </p:sp>
@@ -3979,55 +4104,110 @@
         </p:nvSpPr>
         <p:spPr>
           <a:xfrm>
-            <a:off x="0" y="2506662"/>
+            <a:off x="838200" y="2506662"/>
             <a:ext cx="10515600" cy="4351338"/>
           </a:xfrm>
+          <a:solidFill>
+            <a:schemeClr val="bg1">
+              <a:lumMod val="95000"/>
+            </a:schemeClr>
+          </a:solidFill>
+          <a:ln>
+            <a:solidFill>
+              <a:schemeClr val="bg1">
+                <a:lumMod val="95000"/>
+              </a:schemeClr>
+            </a:solidFill>
+          </a:ln>
         </p:spPr>
         <p:txBody>
-          <a:bodyPr/>
+          <a:bodyPr>
+            <a:normAutofit lnSpcReduction="10000"/>
+          </a:bodyPr>
           <a:lstStyle/>
           <a:p>
             <a:r>
               <a:rPr lang="hu-HU" b="1" dirty="0"/>
-              <a:t>Párhuzamos működés</a:t>
-            </a:r>
-          </a:p>
-          <a:p>
+              <a:t>Parallel </a:t>
+            </a:r>
+            <a:r>
+              <a:rPr lang="hu-HU" b="1" dirty="0" err="1"/>
+              <a:t>operation</a:t>
+            </a:r>
+            <a:r>
+              <a:rPr lang="hu-HU" b="1" dirty="0"/>
+              <a:t>:</a:t>
+            </a:r>
+          </a:p>
+          <a:p>
+            <a:r>
+              <a:rPr lang="en-US" dirty="0"/>
+              <a:t>IPv6 is already available, but in many places it still runs alongside IPv4.</a:t>
+            </a:r>
+            <a:endParaRPr lang="hu-HU" dirty="0"/>
+          </a:p>
+          <a:p>
+            <a:r>
+              <a:rPr lang="hu-HU" b="1" dirty="0" err="1"/>
+              <a:t>Transition</a:t>
+            </a:r>
+            <a:r>
+              <a:rPr lang="hu-HU" b="1" dirty="0"/>
+              <a:t> in </a:t>
+            </a:r>
+            <a:r>
+              <a:rPr lang="hu-HU" b="1" dirty="0" err="1"/>
+              <a:t>progress</a:t>
+            </a:r>
+            <a:r>
+              <a:rPr lang="hu-HU" b="1" dirty="0"/>
+              <a:t>:</a:t>
+            </a:r>
+          </a:p>
+          <a:p>
+            <a:r>
+              <a:rPr lang="en-US" dirty="0"/>
+              <a:t>The shift is slow, but continuous, and essential for the Internet of the future.</a:t>
+            </a:r>
             <a:r>
               <a:rPr lang="hu-HU" dirty="0"/>
-              <a:t>Az IPv6 már régóta elérhető, de sok helyen még mindig együtt fut az IPv4-gyel.</a:t>
-            </a:r>
-          </a:p>
-          <a:p>
+              <a:t>.</a:t>
+            </a:r>
+          </a:p>
+          <a:p>
+            <a:r>
+              <a:rPr lang="hu-HU" b="1" dirty="0" err="1"/>
+              <a:t>Why</a:t>
+            </a:r>
             <a:r>
               <a:rPr lang="hu-HU" b="1" dirty="0"/>
-              <a:t>Folyamatban lévő átállás</a:t>
-            </a:r>
-          </a:p>
-          <a:p>
+              <a:t> is </a:t>
+            </a:r>
+            <a:r>
+              <a:rPr lang="hu-HU" b="1" dirty="0" err="1"/>
+              <a:t>it</a:t>
+            </a:r>
+            <a:r>
+              <a:rPr lang="hu-HU" b="1" dirty="0"/>
+              <a:t> </a:t>
+            </a:r>
+            <a:r>
+              <a:rPr lang="hu-HU" b="1" dirty="0" err="1"/>
+              <a:t>important</a:t>
+            </a:r>
+            <a:r>
+              <a:rPr lang="hu-HU" b="1" dirty="0"/>
+              <a:t>?</a:t>
+            </a:r>
+          </a:p>
+          <a:p>
+            <a:r>
+              <a:rPr lang="en-US" dirty="0"/>
+              <a:t>With IoT, smart cities, vehicular communication and increasing data traffic, IPv6 provides the scalable and sustainable network foundation</a:t>
+            </a:r>
             <a:r>
               <a:rPr lang="hu-HU" dirty="0"/>
-              <a:t>A váltás lassú, de folyamatos, és a jövő internetéhez elengedhetetlen.</a:t>
-            </a:r>
-          </a:p>
-          <a:p>
-            <a:r>
-              <a:rPr lang="hu-HU" b="1" dirty="0"/>
-              <a:t>Miért fontos?</a:t>
-            </a:r>
-          </a:p>
-          <a:p>
-            <a:r>
-              <a:rPr lang="hu-HU" dirty="0"/>
-              <a:t>Az </a:t>
-            </a:r>
-            <a:r>
-              <a:rPr lang="hu-HU" dirty="0" err="1"/>
-              <a:t>IoT</a:t>
-            </a:r>
-            <a:r>
-              <a:rPr lang="hu-HU" dirty="0"/>
-              <a:t>, az okos városok, a járműkommunikáció és a növekvő adatforgalom miatt az IPv6 biztosítja a skálázható és fenntartható hálózati alapot.</a:t>
+              <a:t>.</a:t>
             </a:r>
           </a:p>
           <a:p>
@@ -4106,9 +4286,10 @@
           <a:lstStyle/>
           <a:p>
             <a:r>
-              <a:rPr lang="hu-HU" b="1" dirty="0"/>
-              <a:t>Összegzés</a:t>
-            </a:r>
+              <a:rPr lang="hu-HU" b="1" dirty="0" err="1"/>
+              <a:t>Summary</a:t>
+            </a:r>
+            <a:endParaRPr lang="hu-HU" b="1" dirty="0"/>
           </a:p>
         </p:txBody>
       </p:sp>
@@ -4139,12 +4320,9 @@
           <a:lstStyle/>
           <a:p>
             <a:r>
-              <a:rPr lang="hu-HU" b="1" dirty="0"/>
-              <a:t>Az IPv6 nem egyszerű frissítés, hanem egy új technológiai alap, amely hatalmas címkészletével világszerte még több eszköz csatlakozását teszi lehetővé. Terjedése folyamatos, és kulcsfontosságú szerepet játszik a jövő internetének fejlődésében.</a:t>
-            </a:r>
-            <a:endParaRPr lang="hu-HU" dirty="0"/>
-          </a:p>
-          <a:p>
+              <a:rPr lang="en-US" dirty="0"/>
+              <a:t>IPv6 is not a simple upgrade, but a new technological foundation that enables the connection of even more devices worldwide with its huge set of addresses. Its spread is continuous and plays a key role in the development of the Internet of the future.</a:t>
+            </a:r>
             <a:endParaRPr lang="hu-HU" dirty="0"/>
           </a:p>
         </p:txBody>
@@ -4221,8 +4399,12 @@
           <a:p>
             <a:pPr algn="ctr"/>
             <a:r>
+              <a:rPr lang="hu-HU" dirty="0" err="1"/>
+              <a:t>Sources</a:t>
+            </a:r>
+            <a:r>
               <a:rPr lang="hu-HU" dirty="0"/>
-              <a:t>Források</a:t>
+              <a:t>:</a:t>
             </a:r>
           </a:p>
         </p:txBody>
